--- a/docment/观察者模式.pptx
+++ b/docment/观察者模式.pptx
@@ -3314,7 +3314,19 @@
             <a:pPr lvl="1"/>
             <a:r>
               <a:rPr lang="zh-CN" altLang="en-US"/>
-              <a:t>当以个对象必须通知其他对象，而它有不能假定其他对象是谁。即你不希望这些对象是紧密耦合的</a:t>
+              <a:t>当一</a:t>
+            </a:r>
+            <a:r>
+              <a:rPr lang="zh-CN" altLang="en-US"/>
+              <a:t>个对象必须通知其他对象，而它有不能假定其他对象是谁。即你不希望这些对象是紧密耦合的</a:t>
+            </a:r>
+            <a:endParaRPr lang="zh-CN" altLang="en-US"/>
+          </a:p>
+          <a:p>
+            <a:pPr lvl="1"/>
+            <a:r>
+              <a:rPr lang="zh-CN" altLang="en-US"/>
+              <a:t>跨系统的消息交换场景，如消息队列的处理机制</a:t>
             </a:r>
             <a:endParaRPr lang="zh-CN" altLang="en-US"/>
           </a:p>
@@ -3382,7 +3394,7 @@
                 <a:latin typeface="华文楷体" panose="02010600040101010101" charset="-122"/>
                 <a:ea typeface="华文楷体" panose="02010600040101010101" charset="-122"/>
               </a:rPr>
-              <a:t>优缺点：</a:t>
+              <a:t>优点：</a:t>
             </a:r>
             <a:endParaRPr lang="zh-CN" altLang="en-US">
               <a:latin typeface="华文楷体" panose="02010600040101010101" charset="-122"/>
@@ -3447,6 +3459,20 @@
           </a:p>
           <a:p>
             <a:pPr lvl="1"/>
+            <a:endParaRPr lang="zh-CN" altLang="en-US">
+              <a:latin typeface="华文楷体" panose="02010600040101010101" charset="-122"/>
+              <a:ea typeface="华文楷体" panose="02010600040101010101" charset="-122"/>
+            </a:endParaRPr>
+          </a:p>
+          <a:p>
+            <a:pPr marL="0" lvl="1" indent="230505" algn="l" fontAlgn="auto"/>
+            <a:r>
+              <a:rPr lang="zh-CN" altLang="en-US" sz="2800">
+                <a:latin typeface="华文楷体" panose="02010600040101010101" charset="-122"/>
+                <a:ea typeface="华文楷体" panose="02010600040101010101" charset="-122"/>
+              </a:rPr>
+              <a:t>缺点</a:t>
+            </a:r>
             <a:endParaRPr lang="zh-CN" altLang="en-US">
               <a:latin typeface="华文楷体" panose="02010600040101010101" charset="-122"/>
               <a:ea typeface="华文楷体" panose="02010600040101010101" charset="-122"/>
